--- a/facerecognition.pptx
+++ b/facerecognition.pptx
@@ -27,7 +27,7 @@
   </p:defaultTextStyle>
   <p:extLst>
     <p:ext uri="{EFAFB233-063F-42B5-8137-9DF3F51BA10A}">
-      <p15:sldGuideLst xmlns:p15="http://schemas.microsoft.com/office/powerpoint/2012/main">
+      <p15:sldGuideLst xmlns:p15="http://schemas.microsoft.com/office/powerpoint/2012/main" xmlns="">
         <p15:guide id="1" orient="horz" pos="2880">
           <p15:clr>
             <a:srgbClr val="A4A3A4"/>
@@ -197,7 +197,7 @@
           <a:p>
             <a:fld id="{1D8BD707-D9CF-40AE-B4C6-C98DA3205C09}" type="datetimeFigureOut">
               <a:rPr lang="en-US"/>
-              <a:t>4/1/2024</a:t>
+              <a:t>4/2/2024</a:t>
             </a:fld>
             <a:endParaRPr lang="en-US"/>
           </a:p>
@@ -377,7 +377,7 @@
           <a:p>
             <a:fld id="{1D8BD707-D9CF-40AE-B4C6-C98DA3205C09}" type="datetimeFigureOut">
               <a:rPr lang="en-US"/>
-              <a:t>4/1/2024</a:t>
+              <a:t>4/2/2024</a:t>
             </a:fld>
             <a:endParaRPr lang="en-US"/>
           </a:p>
@@ -600,7 +600,7 @@
           <a:p>
             <a:fld id="{1D8BD707-D9CF-40AE-B4C6-C98DA3205C09}" type="datetimeFigureOut">
               <a:rPr lang="en-US"/>
-              <a:t>4/1/2024</a:t>
+              <a:t>4/2/2024</a:t>
             </a:fld>
             <a:endParaRPr lang="en-US"/>
           </a:p>
@@ -757,7 +757,7 @@
           <a:p>
             <a:fld id="{1D8BD707-D9CF-40AE-B4C6-C98DA3205C09}" type="datetimeFigureOut">
               <a:rPr lang="en-US"/>
-              <a:t>4/1/2024</a:t>
+              <a:t>4/2/2024</a:t>
             </a:fld>
             <a:endParaRPr lang="en-US"/>
           </a:p>
@@ -885,7 +885,7 @@
           <a:p>
             <a:fld id="{1D8BD707-D9CF-40AE-B4C6-C98DA3205C09}" type="datetimeFigureOut">
               <a:rPr lang="en-US"/>
-              <a:t>4/1/2024</a:t>
+              <a:t>4/2/2024</a:t>
             </a:fld>
             <a:endParaRPr lang="en-US"/>
           </a:p>
@@ -1604,7 +1604,7 @@
           <a:p>
             <a:fld id="{1D8BD707-D9CF-40AE-B4C6-C98DA3205C09}" type="datetimeFigureOut">
               <a:rPr lang="en-US"/>
-              <a:t>4/1/2024</a:t>
+              <a:t>4/2/2024</a:t>
             </a:fld>
             <a:endParaRPr lang="en-US"/>
           </a:p>
@@ -2539,7 +2539,7 @@
           <p:cNvPr id="3" name="TextBox 2">
             <a:extLst>
               <a:ext uri="{FF2B5EF4-FFF2-40B4-BE49-F238E27FC236}">
-                <a16:creationId xmlns:a16="http://schemas.microsoft.com/office/drawing/2014/main" id="{B70C938D-F5E6-8EA7-F47A-94FFCF79EFB1}"/>
+                <a16:creationId xmlns:a16="http://schemas.microsoft.com/office/drawing/2014/main" xmlns="" id="{B70C938D-F5E6-8EA7-F47A-94FFCF79EFB1}"/>
               </a:ext>
             </a:extLst>
           </p:cNvPr>
@@ -2579,7 +2579,7 @@
           <p:cNvPr id="4" name="TextBox 3">
             <a:extLst>
               <a:ext uri="{FF2B5EF4-FFF2-40B4-BE49-F238E27FC236}">
-                <a16:creationId xmlns:a16="http://schemas.microsoft.com/office/drawing/2014/main" id="{0A4B0D30-7016-5DBF-03C4-387B4A1EF721}"/>
+                <a16:creationId xmlns:a16="http://schemas.microsoft.com/office/drawing/2014/main" xmlns="" id="{0A4B0D30-7016-5DBF-03C4-387B4A1EF721}"/>
               </a:ext>
             </a:extLst>
           </p:cNvPr>
@@ -2588,8 +2588,8 @@
         </p:nvSpPr>
         <p:spPr>
           <a:xfrm>
-            <a:off x="990600" y="1371600"/>
-            <a:ext cx="9220200" cy="4708981"/>
+            <a:off x="838200" y="1066800"/>
+            <a:ext cx="9372600" cy="5632311"/>
           </a:xfrm>
           <a:prstGeom prst="rect">
             <a:avLst/>
@@ -2628,11 +2628,25 @@
             </a:r>
             <a:r>
               <a:rPr lang="en-US" sz="2000" b="0" i="0" dirty="0" err="1">
+                <a:solidFill>
+                  <a:srgbClr val="00B0F0"/>
+                </a:solidFill>
                 <a:effectLst/>
                 <a:latin typeface="Times New Roman" panose="02020603050405020304" pitchFamily="18" charset="0"/>
                 <a:cs typeface="Times New Roman" panose="02020603050405020304" pitchFamily="18" charset="0"/>
               </a:rPr>
               <a:t>Haar</a:t>
+            </a:r>
+            <a:r>
+              <a:rPr lang="en-US" sz="2000" b="0" i="0" dirty="0">
+                <a:solidFill>
+                  <a:srgbClr val="00B0F0"/>
+                </a:solidFill>
+                <a:effectLst/>
+                <a:latin typeface="Times New Roman" panose="02020603050405020304" pitchFamily="18" charset="0"/>
+                <a:cs typeface="Times New Roman" panose="02020603050405020304" pitchFamily="18" charset="0"/>
+              </a:rPr>
+              <a:t> cascade classifier </a:t>
             </a:r>
             <a:r>
               <a:rPr lang="en-US" sz="2000" b="0" i="0" dirty="0">
@@ -2640,7 +2654,7 @@
                 <a:latin typeface="Times New Roman" panose="02020603050405020304" pitchFamily="18" charset="0"/>
                 <a:cs typeface="Times New Roman" panose="02020603050405020304" pitchFamily="18" charset="0"/>
               </a:rPr>
-              <a:t> cascade classifier to detect faces. When a face is detected, the system proceeds to the next step.</a:t>
+              <a:t>to detect faces. When a face is detected, the system proceeds to the next step.</a:t>
             </a:r>
           </a:p>
           <a:p>
@@ -2667,8 +2681,41 @@
                 <a:latin typeface="Times New Roman" panose="02020603050405020304" pitchFamily="18" charset="0"/>
                 <a:cs typeface="Times New Roman" panose="02020603050405020304" pitchFamily="18" charset="0"/>
               </a:rPr>
-              <a:t>: Optionally, the system can perform face recognition to identify individuals based on detected faces. This step involves matching detected faces against a database of known individuals.</a:t>
-            </a:r>
+              <a:t>: Optionally, the system can perform face recognition to identify individuals based on detected faces. This step involves matching detected faces against a database of known individuals</a:t>
+            </a:r>
+            <a:r>
+              <a:rPr lang="en-US" sz="2000" b="0" i="0" dirty="0" smtClean="0">
+                <a:effectLst/>
+                <a:latin typeface="Times New Roman" panose="02020603050405020304" pitchFamily="18" charset="0"/>
+                <a:cs typeface="Times New Roman" panose="02020603050405020304" pitchFamily="18" charset="0"/>
+              </a:rPr>
+              <a:t>.</a:t>
+            </a:r>
+          </a:p>
+          <a:p>
+            <a:pPr algn="just"/>
+            <a:r>
+              <a:rPr lang="en-IN" sz="2000" b="1" dirty="0">
+                <a:solidFill>
+                  <a:srgbClr val="00B0F0"/>
+                </a:solidFill>
+                <a:latin typeface="Times New Roman" pitchFamily="18" charset="0"/>
+                <a:cs typeface="Times New Roman" pitchFamily="18" charset="0"/>
+              </a:rPr>
+              <a:t>LBPH (Local Binary Pattern Histogram)</a:t>
+            </a:r>
+            <a:r>
+              <a:rPr lang="en-IN" sz="2000" dirty="0">
+                <a:latin typeface="Times New Roman" pitchFamily="18" charset="0"/>
+                <a:cs typeface="Times New Roman" pitchFamily="18" charset="0"/>
+              </a:rPr>
+              <a:t> is a Face-Recognition algorithm it is used to recognize the face of a person. It is known for its performance and how it is able to recognize the face of a person from both front face and side face.</a:t>
+            </a:r>
+            <a:endParaRPr lang="en-US" sz="2000" b="0" i="0" dirty="0">
+              <a:effectLst/>
+              <a:latin typeface="Times New Roman" panose="02020603050405020304" pitchFamily="18" charset="0"/>
+              <a:cs typeface="Times New Roman" panose="02020603050405020304" pitchFamily="18" charset="0"/>
+            </a:endParaRPr>
           </a:p>
           <a:p>
             <a:pPr algn="just"/>
@@ -2723,7 +2770,10 @@
               </a:rPr>
               <a:t>: Users can interact with the system through the user interface to view attendance records, generate reports, and perform administrative tasks. The user interface provides a seamless experience for system management and monitoring</a:t>
             </a:r>
-            <a:endParaRPr lang="en-IN" sz="2000" dirty="0"/>
+            <a:endParaRPr lang="en-IN" sz="2000" dirty="0">
+              <a:latin typeface="Times New Roman" pitchFamily="18" charset="0"/>
+              <a:cs typeface="Times New Roman" pitchFamily="18" charset="0"/>
+            </a:endParaRPr>
           </a:p>
         </p:txBody>
       </p:sp>
@@ -2762,7 +2812,7 @@
           <p:cNvPr id="2" name="TextBox 1">
             <a:extLst>
               <a:ext uri="{FF2B5EF4-FFF2-40B4-BE49-F238E27FC236}">
-                <a16:creationId xmlns:a16="http://schemas.microsoft.com/office/drawing/2014/main" id="{424BD2FB-01E5-ABE9-25D6-0292C0B1504C}"/>
+                <a16:creationId xmlns:a16="http://schemas.microsoft.com/office/drawing/2014/main" xmlns="" id="{424BD2FB-01E5-ABE9-25D6-0292C0B1504C}"/>
               </a:ext>
             </a:extLst>
           </p:cNvPr>
@@ -2802,7 +2852,7 @@
           <p:cNvPr id="7" name="Picture 6">
             <a:extLst>
               <a:ext uri="{FF2B5EF4-FFF2-40B4-BE49-F238E27FC236}">
-                <a16:creationId xmlns:a16="http://schemas.microsoft.com/office/drawing/2014/main" id="{3F1EC9D1-EFDA-1766-B06E-56C39FEC9279}"/>
+                <a16:creationId xmlns:a16="http://schemas.microsoft.com/office/drawing/2014/main" xmlns="" id="{3F1EC9D1-EFDA-1766-B06E-56C39FEC9279}"/>
               </a:ext>
             </a:extLst>
           </p:cNvPr>
@@ -3168,7 +3218,7 @@
               </a:rPr>
               <a:t>Link</a:t>
             </a:r>
-            <a:endParaRPr sz="2000">
+            <a:endParaRPr sz="2000" dirty="0">
               <a:latin typeface="Trebuchet MS"/>
               <a:cs typeface="Trebuchet MS"/>
             </a:endParaRPr>
@@ -3180,7 +3230,7 @@
           <p:cNvPr id="13" name="TextBox 12">
             <a:extLst>
               <a:ext uri="{FF2B5EF4-FFF2-40B4-BE49-F238E27FC236}">
-                <a16:creationId xmlns:a16="http://schemas.microsoft.com/office/drawing/2014/main" id="{F429965A-A0C4-80A4-D3FF-3EFB6D090684}"/>
+                <a16:creationId xmlns:a16="http://schemas.microsoft.com/office/drawing/2014/main" xmlns="" id="{F429965A-A0C4-80A4-D3FF-3EFB6D090684}"/>
               </a:ext>
             </a:extLst>
           </p:cNvPr>
@@ -3212,7 +3262,7 @@
           <p:cNvPr id="11" name="Picture 10">
             <a:extLst>
               <a:ext uri="{FF2B5EF4-FFF2-40B4-BE49-F238E27FC236}">
-                <a16:creationId xmlns:a16="http://schemas.microsoft.com/office/drawing/2014/main" id="{D6AFC535-2DC4-7672-5CC2-D5F341BEF8FF}"/>
+                <a16:creationId xmlns:a16="http://schemas.microsoft.com/office/drawing/2014/main" xmlns="" id="{D6AFC535-2DC4-7672-5CC2-D5F341BEF8FF}"/>
               </a:ext>
             </a:extLst>
           </p:cNvPr>
@@ -3248,7 +3298,7 @@
           <p:cNvPr id="15" name="Picture 14">
             <a:extLst>
               <a:ext uri="{FF2B5EF4-FFF2-40B4-BE49-F238E27FC236}">
-                <a16:creationId xmlns:a16="http://schemas.microsoft.com/office/drawing/2014/main" id="{06D7F396-7072-E552-4BC6-5448452ED07C}"/>
+                <a16:creationId xmlns:a16="http://schemas.microsoft.com/office/drawing/2014/main" xmlns="" id="{06D7F396-7072-E552-4BC6-5448452ED07C}"/>
               </a:ext>
             </a:extLst>
           </p:cNvPr>
@@ -3284,7 +3334,7 @@
           <p:cNvPr id="16" name="TextBox 15">
             <a:extLst>
               <a:ext uri="{FF2B5EF4-FFF2-40B4-BE49-F238E27FC236}">
-                <a16:creationId xmlns:a16="http://schemas.microsoft.com/office/drawing/2014/main" id="{36807AB6-00EB-C327-00AD-387C6A682CB8}"/>
+                <a16:creationId xmlns:a16="http://schemas.microsoft.com/office/drawing/2014/main" xmlns="" id="{36807AB6-00EB-C327-00AD-387C6A682CB8}"/>
               </a:ext>
             </a:extLst>
           </p:cNvPr>
@@ -3320,7 +3370,7 @@
           <p:cNvPr id="17" name="TextBox 16">
             <a:extLst>
               <a:ext uri="{FF2B5EF4-FFF2-40B4-BE49-F238E27FC236}">
-                <a16:creationId xmlns:a16="http://schemas.microsoft.com/office/drawing/2014/main" id="{33EFB8AD-FC0B-F9DC-0CB0-7FC2DC4A512F}"/>
+                <a16:creationId xmlns:a16="http://schemas.microsoft.com/office/drawing/2014/main" xmlns="" id="{33EFB8AD-FC0B-F9DC-0CB0-7FC2DC4A512F}"/>
               </a:ext>
             </a:extLst>
           </p:cNvPr>
@@ -4314,7 +4364,7 @@
           <p:cNvPr id="23" name="TextBox 22">
             <a:extLst>
               <a:ext uri="{FF2B5EF4-FFF2-40B4-BE49-F238E27FC236}">
-                <a16:creationId xmlns:a16="http://schemas.microsoft.com/office/drawing/2014/main" id="{969291FF-0EA0-E0F7-D93F-711B9A1EBE9E}"/>
+                <a16:creationId xmlns:a16="http://schemas.microsoft.com/office/drawing/2014/main" xmlns="" id="{969291FF-0EA0-E0F7-D93F-711B9A1EBE9E}"/>
               </a:ext>
             </a:extLst>
           </p:cNvPr>
@@ -5716,7 +5766,7 @@
           <p:cNvPr id="23" name="TextBox 22">
             <a:extLst>
               <a:ext uri="{FF2B5EF4-FFF2-40B4-BE49-F238E27FC236}">
-                <a16:creationId xmlns:a16="http://schemas.microsoft.com/office/drawing/2014/main" id="{BCE9C45A-BDFB-DED0-F5E4-122D8687359C}"/>
+                <a16:creationId xmlns:a16="http://schemas.microsoft.com/office/drawing/2014/main" xmlns="" id="{BCE9C45A-BDFB-DED0-F5E4-122D8687359C}"/>
               </a:ext>
             </a:extLst>
           </p:cNvPr>
@@ -6258,7 +6308,7 @@
           <p:cNvPr id="12" name="TextBox 11">
             <a:extLst>
               <a:ext uri="{FF2B5EF4-FFF2-40B4-BE49-F238E27FC236}">
-                <a16:creationId xmlns:a16="http://schemas.microsoft.com/office/drawing/2014/main" id="{8D0B4BEA-C57F-AFEA-2DD3-161EA0E90A03}"/>
+                <a16:creationId xmlns:a16="http://schemas.microsoft.com/office/drawing/2014/main" xmlns="" id="{8D0B4BEA-C57F-AFEA-2DD3-161EA0E90A03}"/>
               </a:ext>
             </a:extLst>
           </p:cNvPr>
@@ -6807,7 +6857,7 @@
           <p:cNvPr id="12" name="TextBox 11">
             <a:extLst>
               <a:ext uri="{FF2B5EF4-FFF2-40B4-BE49-F238E27FC236}">
-                <a16:creationId xmlns:a16="http://schemas.microsoft.com/office/drawing/2014/main" id="{3988442C-C789-6CDE-A90D-6A1A25168870}"/>
+                <a16:creationId xmlns:a16="http://schemas.microsoft.com/office/drawing/2014/main" xmlns="" id="{3988442C-C789-6CDE-A90D-6A1A25168870}"/>
               </a:ext>
             </a:extLst>
           </p:cNvPr>
@@ -7337,7 +7387,7 @@
           <p:cNvPr id="9" name="TextBox 8">
             <a:extLst>
               <a:ext uri="{FF2B5EF4-FFF2-40B4-BE49-F238E27FC236}">
-                <a16:creationId xmlns:a16="http://schemas.microsoft.com/office/drawing/2014/main" id="{6128BEC0-A69C-D757-9BF8-4E0C2266A644}"/>
+                <a16:creationId xmlns:a16="http://schemas.microsoft.com/office/drawing/2014/main" xmlns="" id="{6128BEC0-A69C-D757-9BF8-4E0C2266A644}"/>
               </a:ext>
             </a:extLst>
           </p:cNvPr>
@@ -7940,7 +7990,7 @@
           <p:cNvPr id="10" name="TextBox 9">
             <a:extLst>
               <a:ext uri="{FF2B5EF4-FFF2-40B4-BE49-F238E27FC236}">
-                <a16:creationId xmlns:a16="http://schemas.microsoft.com/office/drawing/2014/main" id="{E97D906B-D1C2-B63E-F3E3-1B91AB7DAB1F}"/>
+                <a16:creationId xmlns:a16="http://schemas.microsoft.com/office/drawing/2014/main" xmlns="" id="{E97D906B-D1C2-B63E-F3E3-1B91AB7DAB1F}"/>
               </a:ext>
             </a:extLst>
           </p:cNvPr>
@@ -8090,7 +8140,7 @@
           <p:cNvPr id="11" name="TextBox 10">
             <a:extLst>
               <a:ext uri="{FF2B5EF4-FFF2-40B4-BE49-F238E27FC236}">
-                <a16:creationId xmlns:a16="http://schemas.microsoft.com/office/drawing/2014/main" id="{59A59371-8647-431F-7E5F-9EB61B5C61A4}"/>
+                <a16:creationId xmlns:a16="http://schemas.microsoft.com/office/drawing/2014/main" xmlns="" id="{59A59371-8647-431F-7E5F-9EB61B5C61A4}"/>
               </a:ext>
             </a:extLst>
           </p:cNvPr>
@@ -8624,7 +8674,7 @@
           <p:cNvPr id="9" name="TextBox 8">
             <a:extLst>
               <a:ext uri="{FF2B5EF4-FFF2-40B4-BE49-F238E27FC236}">
-                <a16:creationId xmlns:a16="http://schemas.microsoft.com/office/drawing/2014/main" id="{36D53782-20EA-DEE3-7D92-5BFDA2311F87}"/>
+                <a16:creationId xmlns:a16="http://schemas.microsoft.com/office/drawing/2014/main" xmlns="" id="{36D53782-20EA-DEE3-7D92-5BFDA2311F87}"/>
               </a:ext>
             </a:extLst>
           </p:cNvPr>
@@ -8978,7 +9028,7 @@
           <p:cNvPr id="10" name="TextBox 9">
             <a:extLst>
               <a:ext uri="{FF2B5EF4-FFF2-40B4-BE49-F238E27FC236}">
-                <a16:creationId xmlns:a16="http://schemas.microsoft.com/office/drawing/2014/main" id="{4EE73771-4C03-5909-4DD7-802DC3EB9A1D}"/>
+                <a16:creationId xmlns:a16="http://schemas.microsoft.com/office/drawing/2014/main" xmlns="" id="{4EE73771-4C03-5909-4DD7-802DC3EB9A1D}"/>
               </a:ext>
             </a:extLst>
           </p:cNvPr>
@@ -9020,11 +9070,25 @@
             </a:r>
             <a:r>
               <a:rPr lang="en-US" sz="1800" b="0" i="0" dirty="0" err="1">
+                <a:solidFill>
+                  <a:srgbClr val="00B0F0"/>
+                </a:solidFill>
                 <a:effectLst/>
                 <a:latin typeface="Times New Roman" panose="02020603050405020304" pitchFamily="18" charset="0"/>
                 <a:cs typeface="Times New Roman" panose="02020603050405020304" pitchFamily="18" charset="0"/>
               </a:rPr>
               <a:t>Haar</a:t>
+            </a:r>
+            <a:r>
+              <a:rPr lang="en-US" sz="1800" b="0" i="0" dirty="0">
+                <a:solidFill>
+                  <a:srgbClr val="00B0F0"/>
+                </a:solidFill>
+                <a:effectLst/>
+                <a:latin typeface="Times New Roman" panose="02020603050405020304" pitchFamily="18" charset="0"/>
+                <a:cs typeface="Times New Roman" panose="02020603050405020304" pitchFamily="18" charset="0"/>
+              </a:rPr>
+              <a:t> cascade classifier </a:t>
             </a:r>
             <a:r>
               <a:rPr lang="en-US" sz="1800" b="0" i="0" dirty="0">
@@ -9032,7 +9096,7 @@
                 <a:latin typeface="Times New Roman" panose="02020603050405020304" pitchFamily="18" charset="0"/>
                 <a:cs typeface="Times New Roman" panose="02020603050405020304" pitchFamily="18" charset="0"/>
               </a:rPr>
-              <a:t> cascade classifier for face detection and connecting to the camera or video feed.</a:t>
+              <a:t>for face detection and connecting to the camera or video feed.</a:t>
             </a:r>
           </a:p>
           <a:p>
@@ -9045,7 +9109,7 @@
           <p:cNvPr id="12" name="Picture 11">
             <a:extLst>
               <a:ext uri="{FF2B5EF4-FFF2-40B4-BE49-F238E27FC236}">
-                <a16:creationId xmlns:a16="http://schemas.microsoft.com/office/drawing/2014/main" id="{9FDD35C2-4542-5EFA-B991-E5DE204EDF1C}"/>
+                <a16:creationId xmlns:a16="http://schemas.microsoft.com/office/drawing/2014/main" xmlns="" id="{9FDD35C2-4542-5EFA-B991-E5DE204EDF1C}"/>
               </a:ext>
             </a:extLst>
           </p:cNvPr>
@@ -9081,7 +9145,7 @@
           <p:cNvPr id="14" name="Picture 13">
             <a:extLst>
               <a:ext uri="{FF2B5EF4-FFF2-40B4-BE49-F238E27FC236}">
-                <a16:creationId xmlns:a16="http://schemas.microsoft.com/office/drawing/2014/main" id="{2B75409E-AA76-DF74-BDAE-BA59FB3C4ABF}"/>
+                <a16:creationId xmlns:a16="http://schemas.microsoft.com/office/drawing/2014/main" xmlns="" id="{2B75409E-AA76-DF74-BDAE-BA59FB3C4ABF}"/>
               </a:ext>
             </a:extLst>
           </p:cNvPr>
